--- a/PastaDocumentos/PITCH-Projeto.pptx
+++ b/PastaDocumentos/PITCH-Projeto.pptx
@@ -104,6 +104,11 @@
       </a:defRPr>
     </a:lvl9pPr>
   </p:defaultTextStyle>
+  <p:extLst>
+    <p:ext uri="{EFAFB233-063F-42B5-8137-9DF3F51BA10A}">
+      <p15:sldGuideLst xmlns:p15="http://schemas.microsoft.com/office/powerpoint/2012/main"/>
+    </p:ext>
+  </p:extLst>
 </p:presentation>
 </file>
 
@@ -3377,6 +3382,98 @@
           </a:p>
         </p:txBody>
       </p:sp>
+      <p:sp>
+        <p:nvSpPr>
+          <p:cNvPr id="4" name="Retângulo 3">
+            <a:extLst>
+              <a:ext uri="{FF2B5EF4-FFF2-40B4-BE49-F238E27FC236}">
+                <a16:creationId xmlns:a16="http://schemas.microsoft.com/office/drawing/2014/main" id="{CCB11B1A-C493-C4E5-8747-7522EA92980B}"/>
+              </a:ext>
+            </a:extLst>
+          </p:cNvPr>
+          <p:cNvSpPr/>
+          <p:nvPr/>
+        </p:nvSpPr>
+        <p:spPr>
+          <a:xfrm>
+            <a:off x="3206839" y="1455313"/>
+            <a:ext cx="5525037" cy="386366"/>
+          </a:xfrm>
+          <a:prstGeom prst="rect">
+            <a:avLst/>
+          </a:prstGeom>
+        </p:spPr>
+        <p:style>
+          <a:lnRef idx="2">
+            <a:schemeClr val="accent1">
+              <a:shade val="15000"/>
+            </a:schemeClr>
+          </a:lnRef>
+          <a:fillRef idx="1">
+            <a:schemeClr val="accent1"/>
+          </a:fillRef>
+          <a:effectRef idx="0">
+            <a:schemeClr val="accent1"/>
+          </a:effectRef>
+          <a:fontRef idx="minor">
+            <a:schemeClr val="lt1"/>
+          </a:fontRef>
+        </p:style>
+        <p:txBody>
+          <a:bodyPr rtlCol="0" anchor="ctr"/>
+          <a:lstStyle/>
+          <a:p>
+            <a:pPr algn="ctr"/>
+            <a:endParaRPr lang="pt-BR"/>
+          </a:p>
+        </p:txBody>
+      </p:sp>
+      <p:sp>
+        <p:nvSpPr>
+          <p:cNvPr id="5" name="Retângulo 4">
+            <a:extLst>
+              <a:ext uri="{FF2B5EF4-FFF2-40B4-BE49-F238E27FC236}">
+                <a16:creationId xmlns:a16="http://schemas.microsoft.com/office/drawing/2014/main" id="{15E4F49D-ACFF-47FC-8A6F-E17E3534ED16}"/>
+              </a:ext>
+            </a:extLst>
+          </p:cNvPr>
+          <p:cNvSpPr/>
+          <p:nvPr/>
+        </p:nvSpPr>
+        <p:spPr>
+          <a:xfrm>
+            <a:off x="3206839" y="4429919"/>
+            <a:ext cx="5525037" cy="386366"/>
+          </a:xfrm>
+          <a:prstGeom prst="rect">
+            <a:avLst/>
+          </a:prstGeom>
+        </p:spPr>
+        <p:style>
+          <a:lnRef idx="2">
+            <a:schemeClr val="accent1">
+              <a:shade val="15000"/>
+            </a:schemeClr>
+          </a:lnRef>
+          <a:fillRef idx="1">
+            <a:schemeClr val="accent1"/>
+          </a:fillRef>
+          <a:effectRef idx="0">
+            <a:schemeClr val="accent1"/>
+          </a:effectRef>
+          <a:fontRef idx="minor">
+            <a:schemeClr val="lt1"/>
+          </a:fontRef>
+        </p:style>
+        <p:txBody>
+          <a:bodyPr rtlCol="0" anchor="ctr"/>
+          <a:lstStyle/>
+          <a:p>
+            <a:pPr algn="ctr"/>
+            <a:endParaRPr lang="pt-BR"/>
+          </a:p>
+        </p:txBody>
+      </p:sp>
     </p:spTree>
     <p:extLst>
       <p:ext uri="{BB962C8B-B14F-4D97-AF65-F5344CB8AC3E}">

--- a/PastaDocumentos/PITCH-Projeto.pptx
+++ b/PastaDocumentos/PITCH-Projeto.pptx
@@ -104,11 +104,6 @@
       </a:defRPr>
     </a:lvl9pPr>
   </p:defaultTextStyle>
-  <p:extLst>
-    <p:ext uri="{EFAFB233-063F-42B5-8137-9DF3F51BA10A}">
-      <p15:sldGuideLst xmlns:p15="http://schemas.microsoft.com/office/powerpoint/2012/main"/>
-    </p:ext>
-  </p:extLst>
 </p:presentation>
 </file>
 
@@ -3382,98 +3377,6 @@
           </a:p>
         </p:txBody>
       </p:sp>
-      <p:sp>
-        <p:nvSpPr>
-          <p:cNvPr id="4" name="Retângulo 3">
-            <a:extLst>
-              <a:ext uri="{FF2B5EF4-FFF2-40B4-BE49-F238E27FC236}">
-                <a16:creationId xmlns:a16="http://schemas.microsoft.com/office/drawing/2014/main" id="{CCB11B1A-C493-C4E5-8747-7522EA92980B}"/>
-              </a:ext>
-            </a:extLst>
-          </p:cNvPr>
-          <p:cNvSpPr/>
-          <p:nvPr/>
-        </p:nvSpPr>
-        <p:spPr>
-          <a:xfrm>
-            <a:off x="3206839" y="1455313"/>
-            <a:ext cx="5525037" cy="386366"/>
-          </a:xfrm>
-          <a:prstGeom prst="rect">
-            <a:avLst/>
-          </a:prstGeom>
-        </p:spPr>
-        <p:style>
-          <a:lnRef idx="2">
-            <a:schemeClr val="accent1">
-              <a:shade val="15000"/>
-            </a:schemeClr>
-          </a:lnRef>
-          <a:fillRef idx="1">
-            <a:schemeClr val="accent1"/>
-          </a:fillRef>
-          <a:effectRef idx="0">
-            <a:schemeClr val="accent1"/>
-          </a:effectRef>
-          <a:fontRef idx="minor">
-            <a:schemeClr val="lt1"/>
-          </a:fontRef>
-        </p:style>
-        <p:txBody>
-          <a:bodyPr rtlCol="0" anchor="ctr"/>
-          <a:lstStyle/>
-          <a:p>
-            <a:pPr algn="ctr"/>
-            <a:endParaRPr lang="pt-BR"/>
-          </a:p>
-        </p:txBody>
-      </p:sp>
-      <p:sp>
-        <p:nvSpPr>
-          <p:cNvPr id="5" name="Retângulo 4">
-            <a:extLst>
-              <a:ext uri="{FF2B5EF4-FFF2-40B4-BE49-F238E27FC236}">
-                <a16:creationId xmlns:a16="http://schemas.microsoft.com/office/drawing/2014/main" id="{15E4F49D-ACFF-47FC-8A6F-E17E3534ED16}"/>
-              </a:ext>
-            </a:extLst>
-          </p:cNvPr>
-          <p:cNvSpPr/>
-          <p:nvPr/>
-        </p:nvSpPr>
-        <p:spPr>
-          <a:xfrm>
-            <a:off x="3206839" y="4429919"/>
-            <a:ext cx="5525037" cy="386366"/>
-          </a:xfrm>
-          <a:prstGeom prst="rect">
-            <a:avLst/>
-          </a:prstGeom>
-        </p:spPr>
-        <p:style>
-          <a:lnRef idx="2">
-            <a:schemeClr val="accent1">
-              <a:shade val="15000"/>
-            </a:schemeClr>
-          </a:lnRef>
-          <a:fillRef idx="1">
-            <a:schemeClr val="accent1"/>
-          </a:fillRef>
-          <a:effectRef idx="0">
-            <a:schemeClr val="accent1"/>
-          </a:effectRef>
-          <a:fontRef idx="minor">
-            <a:schemeClr val="lt1"/>
-          </a:fontRef>
-        </p:style>
-        <p:txBody>
-          <a:bodyPr rtlCol="0" anchor="ctr"/>
-          <a:lstStyle/>
-          <a:p>
-            <a:pPr algn="ctr"/>
-            <a:endParaRPr lang="pt-BR"/>
-          </a:p>
-        </p:txBody>
-      </p:sp>
     </p:spTree>
     <p:extLst>
       <p:ext uri="{BB962C8B-B14F-4D97-AF65-F5344CB8AC3E}">
